--- a/Figure-4-4/Figure44/Figure44_fullslide_169.pptx
+++ b/Figure-4-4/Figure44/Figure44_fullslide_169.pptx
@@ -829,6 +829,284 @@
             <a:r>
               <a:rPr/>
               <a:t>(2020-21)</a:t>
+            </a:r>
+          </a:p>
+          <a:p>
+            <a:pPr lvl="0" marL="0" indent="0">
+              <a:buNone/>
+            </a:pPr>
+          </a:p>
+          <a:p>
+            <a:pPr lvl="0" marL="0" indent="0">
+              <a:buNone/>
+            </a:pPr>
+            <a:r>
+              <a:rPr/>
+              <a:t>Notes:</a:t>
+            </a:r>
+            <a:r>
+              <a:rPr/>
+              <a:t> </a:t>
+            </a:r>
+            <a:r>
+              <a:rPr/>
+              <a:t>Projections</a:t>
+            </a:r>
+            <a:r>
+              <a:rPr/>
+              <a:t> </a:t>
+            </a:r>
+            <a:r>
+              <a:rPr/>
+              <a:t>to</a:t>
+            </a:r>
+            <a:r>
+              <a:rPr/>
+              <a:t> </a:t>
+            </a:r>
+            <a:r>
+              <a:rPr/>
+              <a:t>2020-21</a:t>
+            </a:r>
+            <a:r>
+              <a:rPr/>
+              <a:t> </a:t>
+            </a:r>
+            <a:r>
+              <a:rPr/>
+              <a:t>assume</a:t>
+            </a:r>
+            <a:r>
+              <a:rPr/>
+              <a:t> </a:t>
+            </a:r>
+            <a:r>
+              <a:rPr/>
+              <a:t>2%</a:t>
+            </a:r>
+            <a:r>
+              <a:rPr/>
+              <a:t> </a:t>
+            </a:r>
+            <a:r>
+              <a:rPr/>
+              <a:t>wage</a:t>
+            </a:r>
+            <a:r>
+              <a:rPr/>
+              <a:t> </a:t>
+            </a:r>
+            <a:r>
+              <a:rPr/>
+              <a:t>growth</a:t>
+            </a:r>
+            <a:r>
+              <a:rPr/>
+              <a:t> </a:t>
+            </a:r>
+            <a:r>
+              <a:rPr/>
+              <a:t>and</a:t>
+            </a:r>
+            <a:r>
+              <a:rPr/>
+              <a:t> </a:t>
+            </a:r>
+            <a:r>
+              <a:rPr/>
+              <a:t>0%</a:t>
+            </a:r>
+            <a:r>
+              <a:rPr/>
+              <a:t> </a:t>
+            </a:r>
+            <a:r>
+              <a:rPr/>
+              <a:t>growth</a:t>
+            </a:r>
+            <a:r>
+              <a:rPr/>
+              <a:t> </a:t>
+            </a:r>
+            <a:r>
+              <a:rPr/>
+              <a:t>in</a:t>
+            </a:r>
+            <a:r>
+              <a:rPr/>
+              <a:t> </a:t>
+            </a:r>
+            <a:r>
+              <a:rPr/>
+              <a:t>the</a:t>
+            </a:r>
+            <a:r>
+              <a:rPr/>
+              <a:t> </a:t>
+            </a:r>
+            <a:r>
+              <a:rPr/>
+              <a:t>number</a:t>
+            </a:r>
+            <a:r>
+              <a:rPr/>
+              <a:t> </a:t>
+            </a:r>
+            <a:r>
+              <a:rPr/>
+              <a:t>of</a:t>
+            </a:r>
+            <a:r>
+              <a:rPr/>
+              <a:t> </a:t>
+            </a:r>
+            <a:r>
+              <a:rPr/>
+              <a:t>taxfilers</a:t>
+            </a:r>
+            <a:r>
+              <a:rPr/>
+              <a:t> </a:t>
+            </a:r>
+            <a:r>
+              <a:rPr/>
+              <a:t>from</a:t>
+            </a:r>
+            <a:r>
+              <a:rPr/>
+              <a:t> </a:t>
+            </a:r>
+            <a:r>
+              <a:rPr/>
+              <a:t>2019-20</a:t>
+            </a:r>
+            <a:r>
+              <a:rPr/>
+              <a:t> </a:t>
+            </a:r>
+            <a:r>
+              <a:rPr/>
+              <a:t>to</a:t>
+            </a:r>
+            <a:r>
+              <a:rPr/>
+              <a:t> </a:t>
+            </a:r>
+            <a:r>
+              <a:rPr/>
+              <a:t>2020-21.</a:t>
+            </a:r>
+            <a:r>
+              <a:rPr/>
+              <a:t> </a:t>
+            </a:r>
+            <a:r>
+              <a:rPr/>
+              <a:t>Taxable</a:t>
+            </a:r>
+            <a:r>
+              <a:rPr/>
+              <a:t> </a:t>
+            </a:r>
+            <a:r>
+              <a:rPr/>
+              <a:t>income</a:t>
+            </a:r>
+            <a:r>
+              <a:rPr/>
+              <a:t> </a:t>
+            </a:r>
+            <a:r>
+              <a:rPr/>
+              <a:t>deciles</a:t>
+            </a:r>
+            <a:r>
+              <a:rPr/>
+              <a:t> </a:t>
+            </a:r>
+            <a:r>
+              <a:rPr/>
+              <a:t>based</a:t>
+            </a:r>
+            <a:r>
+              <a:rPr/>
+              <a:t> </a:t>
+            </a:r>
+            <a:r>
+              <a:rPr/>
+              <a:t>on</a:t>
+            </a:r>
+            <a:r>
+              <a:rPr/>
+              <a:t> </a:t>
+            </a:r>
+            <a:r>
+              <a:rPr/>
+              <a:t>50+</a:t>
+            </a:r>
+            <a:r>
+              <a:rPr/>
+              <a:t> </a:t>
+            </a:r>
+            <a:r>
+              <a:rPr/>
+              <a:t>taxfilers</a:t>
+            </a:r>
+            <a:r>
+              <a:rPr/>
+              <a:t> </a:t>
+            </a:r>
+            <a:r>
+              <a:rPr/>
+              <a:t>only.</a:t>
+            </a:r>
+            <a:r>
+              <a:rPr/>
+              <a:t> </a:t>
+            </a:r>
+            <a:r>
+              <a:rPr/>
+              <a:t>Source:</a:t>
+            </a:r>
+            <a:r>
+              <a:rPr/>
+              <a:t> </a:t>
+            </a:r>
+            <a:r>
+              <a:rPr/>
+              <a:t>ATO</a:t>
+            </a:r>
+            <a:r>
+              <a:rPr/>
+              <a:t> </a:t>
+            </a:r>
+            <a:r>
+              <a:rPr/>
+              <a:t>2017-18</a:t>
+            </a:r>
+            <a:r>
+              <a:rPr/>
+              <a:t> </a:t>
+            </a:r>
+            <a:r>
+              <a:rPr/>
+              <a:t>2%</a:t>
+            </a:r>
+            <a:r>
+              <a:rPr/>
+              <a:t> </a:t>
+            </a:r>
+            <a:r>
+              <a:rPr/>
+              <a:t>sample</a:t>
+            </a:r>
+            <a:r>
+              <a:rPr/>
+              <a:t> </a:t>
+            </a:r>
+            <a:r>
+              <a:rPr/>
+              <a:t>file</a:t>
             </a:r>
           </a:p>
           <a:p>
@@ -4202,8 +4480,8 @@
           </p:nvSpPr>
           <p:spPr>
             <a:xfrm>
-              <a:off x="1781393" y="1504216"/>
-              <a:ext cx="9759626" cy="4752583"/>
+              <a:off x="1781393" y="1504215"/>
+              <a:ext cx="9759626" cy="4308253"/>
             </a:xfrm>
             <a:prstGeom prst="rect">
               <a:avLst/>
@@ -4228,7 +4506,7 @@
           </p:nvSpPr>
           <p:spPr>
             <a:xfrm>
-              <a:off x="1781393" y="6256799"/>
+              <a:off x="1781393" y="5812469"/>
               <a:ext cx="9759626" cy="0"/>
             </a:xfrm>
             <a:custGeom>
@@ -4271,7 +4549,7 @@
           </p:nvSpPr>
           <p:spPr>
             <a:xfrm>
-              <a:off x="1781393" y="4920647"/>
+              <a:off x="1781393" y="4601237"/>
               <a:ext cx="9759626" cy="0"/>
             </a:xfrm>
             <a:custGeom>
@@ -4314,7 +4592,7 @@
           </p:nvSpPr>
           <p:spPr>
             <a:xfrm>
-              <a:off x="1781393" y="3584495"/>
+              <a:off x="1781393" y="3390005"/>
               <a:ext cx="9759626" cy="0"/>
             </a:xfrm>
             <a:custGeom>
@@ -4357,7 +4635,7 @@
           </p:nvSpPr>
           <p:spPr>
             <a:xfrm>
-              <a:off x="1781393" y="2248343"/>
+              <a:off x="1781393" y="2178773"/>
               <a:ext cx="9759626" cy="0"/>
             </a:xfrm>
             <a:custGeom>
@@ -4400,8 +4678,8 @@
           </p:nvSpPr>
           <p:spPr>
             <a:xfrm>
-              <a:off x="1822058" y="6209993"/>
-              <a:ext cx="731971" cy="46806"/>
+              <a:off x="1822058" y="5770039"/>
+              <a:ext cx="731971" cy="42430"/>
             </a:xfrm>
             <a:prstGeom prst="rect">
               <a:avLst/>
@@ -4435,8 +4713,8 @@
           </p:nvSpPr>
           <p:spPr>
             <a:xfrm>
-              <a:off x="2635360" y="6162343"/>
-              <a:ext cx="731971" cy="94455"/>
+              <a:off x="2635360" y="5726844"/>
+              <a:ext cx="731971" cy="85624"/>
             </a:xfrm>
             <a:prstGeom prst="rect">
               <a:avLst/>
@@ -4470,8 +4748,8 @@
           </p:nvSpPr>
           <p:spPr>
             <a:xfrm>
-              <a:off x="3448662" y="6032229"/>
-              <a:ext cx="731971" cy="224569"/>
+              <a:off x="3448662" y="5608895"/>
+              <a:ext cx="731971" cy="203574"/>
             </a:xfrm>
             <a:prstGeom prst="rect">
               <a:avLst/>
@@ -4505,8 +4783,8 @@
           </p:nvSpPr>
           <p:spPr>
             <a:xfrm>
-              <a:off x="4261965" y="5842828"/>
-              <a:ext cx="731971" cy="413970"/>
+              <a:off x="4261965" y="5437201"/>
+              <a:ext cx="731971" cy="375267"/>
             </a:xfrm>
             <a:prstGeom prst="rect">
               <a:avLst/>
@@ -4540,8 +4818,8 @@
           </p:nvSpPr>
           <p:spPr>
             <a:xfrm>
-              <a:off x="5075267" y="5558980"/>
-              <a:ext cx="731971" cy="697818"/>
+              <a:off x="5075267" y="5179891"/>
+              <a:ext cx="731971" cy="632577"/>
             </a:xfrm>
             <a:prstGeom prst="rect">
               <a:avLst/>
@@ -4575,8 +4853,8 @@
           </p:nvSpPr>
           <p:spPr>
             <a:xfrm>
-              <a:off x="5888569" y="5253072"/>
-              <a:ext cx="731971" cy="1003727"/>
+              <a:off x="5888569" y="4902583"/>
+              <a:ext cx="731971" cy="909886"/>
             </a:xfrm>
             <a:prstGeom prst="rect">
               <a:avLst/>
@@ -4610,8 +4888,8 @@
           </p:nvSpPr>
           <p:spPr>
             <a:xfrm>
-              <a:off x="6701871" y="4980854"/>
-              <a:ext cx="731971" cy="1275945"/>
+              <a:off x="6701871" y="4655815"/>
+              <a:ext cx="731971" cy="1156654"/>
             </a:xfrm>
             <a:prstGeom prst="rect">
               <a:avLst/>
@@ -4645,8 +4923,8 @@
           </p:nvSpPr>
           <p:spPr>
             <a:xfrm>
-              <a:off x="7515174" y="4672050"/>
-              <a:ext cx="731971" cy="1584748"/>
+              <a:off x="7515174" y="4375882"/>
+              <a:ext cx="731971" cy="1436586"/>
             </a:xfrm>
             <a:prstGeom prst="rect">
               <a:avLst/>
@@ -4680,8 +4958,8 @@
           </p:nvSpPr>
           <p:spPr>
             <a:xfrm>
-              <a:off x="8328476" y="4210714"/>
-              <a:ext cx="731971" cy="2046085"/>
+              <a:off x="8328476" y="3957677"/>
+              <a:ext cx="731971" cy="1854792"/>
             </a:xfrm>
             <a:prstGeom prst="rect">
               <a:avLst/>
@@ -4715,8 +4993,8 @@
           </p:nvSpPr>
           <p:spPr>
             <a:xfrm>
-              <a:off x="9141778" y="3193312"/>
-              <a:ext cx="731971" cy="3063487"/>
+              <a:off x="9141778" y="3035394"/>
+              <a:ext cx="731971" cy="2777074"/>
             </a:xfrm>
             <a:prstGeom prst="rect">
               <a:avLst/>
@@ -4750,8 +5028,8 @@
           </p:nvSpPr>
           <p:spPr>
             <a:xfrm>
-              <a:off x="1822058" y="6175120"/>
-              <a:ext cx="731971" cy="34872"/>
+              <a:off x="1822058" y="5738426"/>
+              <a:ext cx="731971" cy="31612"/>
             </a:xfrm>
             <a:prstGeom prst="rect">
               <a:avLst/>
@@ -4785,8 +5063,8 @@
           </p:nvSpPr>
           <p:spPr>
             <a:xfrm>
-              <a:off x="2635360" y="6110986"/>
-              <a:ext cx="731971" cy="51356"/>
+              <a:off x="2635360" y="5680289"/>
+              <a:ext cx="731971" cy="46555"/>
             </a:xfrm>
             <a:prstGeom prst="rect">
               <a:avLst/>
@@ -4820,8 +5098,8 @@
           </p:nvSpPr>
           <p:spPr>
             <a:xfrm>
-              <a:off x="3448662" y="5904252"/>
-              <a:ext cx="731971" cy="127976"/>
+              <a:off x="3448662" y="5492883"/>
+              <a:ext cx="731971" cy="116012"/>
             </a:xfrm>
             <a:prstGeom prst="rect">
               <a:avLst/>
@@ -4855,8 +5133,8 @@
           </p:nvSpPr>
           <p:spPr>
             <a:xfrm>
-              <a:off x="4261965" y="5624125"/>
-              <a:ext cx="731971" cy="218702"/>
+              <a:off x="4261965" y="5238946"/>
+              <a:ext cx="731971" cy="198255"/>
             </a:xfrm>
             <a:prstGeom prst="rect">
               <a:avLst/>
@@ -4890,8 +5168,8 @@
           </p:nvSpPr>
           <p:spPr>
             <a:xfrm>
-              <a:off x="5075267" y="5224898"/>
-              <a:ext cx="731971" cy="334082"/>
+              <a:off x="5075267" y="4877043"/>
+              <a:ext cx="731971" cy="302848"/>
             </a:xfrm>
             <a:prstGeom prst="rect">
               <a:avLst/>
@@ -4925,8 +5203,8 @@
           </p:nvSpPr>
           <p:spPr>
             <a:xfrm>
-              <a:off x="5888569" y="4837945"/>
-              <a:ext cx="731971" cy="415126"/>
+              <a:off x="5888569" y="4526267"/>
+              <a:ext cx="731971" cy="376315"/>
             </a:xfrm>
             <a:prstGeom prst="rect">
               <a:avLst/>
@@ -4960,8 +5238,8 @@
           </p:nvSpPr>
           <p:spPr>
             <a:xfrm>
-              <a:off x="6701871" y="4441525"/>
-              <a:ext cx="731971" cy="539328"/>
+              <a:off x="6701871" y="4166910"/>
+              <a:ext cx="731971" cy="488905"/>
             </a:xfrm>
             <a:prstGeom prst="rect">
               <a:avLst/>
@@ -4995,8 +5273,8 @@
           </p:nvSpPr>
           <p:spPr>
             <a:xfrm>
-              <a:off x="7515174" y="3892892"/>
-              <a:ext cx="731971" cy="779158"/>
+              <a:off x="7515174" y="3669569"/>
+              <a:ext cx="731971" cy="706313"/>
             </a:xfrm>
             <a:prstGeom prst="rect">
               <a:avLst/>
@@ -5030,8 +5308,8 @@
           </p:nvSpPr>
           <p:spPr>
             <a:xfrm>
-              <a:off x="8328476" y="3216124"/>
-              <a:ext cx="731971" cy="994589"/>
+              <a:off x="8328476" y="3056074"/>
+              <a:ext cx="731971" cy="901602"/>
             </a:xfrm>
             <a:prstGeom prst="rect">
               <a:avLst/>
@@ -5065,8 +5343,8 @@
           </p:nvSpPr>
           <p:spPr>
             <a:xfrm>
-              <a:off x="9141778" y="2147038"/>
-              <a:ext cx="731971" cy="1046273"/>
+              <a:off x="9141778" y="2086939"/>
+              <a:ext cx="731971" cy="948455"/>
             </a:xfrm>
             <a:prstGeom prst="rect">
               <a:avLst/>
@@ -5100,8 +5378,8 @@
           </p:nvSpPr>
           <p:spPr>
             <a:xfrm>
-              <a:off x="1822058" y="6149469"/>
-              <a:ext cx="731971" cy="25651"/>
+              <a:off x="1822058" y="5715174"/>
+              <a:ext cx="731971" cy="23252"/>
             </a:xfrm>
             <a:prstGeom prst="rect">
               <a:avLst/>
@@ -5135,8 +5413,8 @@
           </p:nvSpPr>
           <p:spPr>
             <a:xfrm>
-              <a:off x="2635360" y="6037071"/>
-              <a:ext cx="731971" cy="73915"/>
+              <a:off x="2635360" y="5613284"/>
+              <a:ext cx="731971" cy="67005"/>
             </a:xfrm>
             <a:prstGeom prst="rect">
               <a:avLst/>
@@ -5170,8 +5448,8 @@
           </p:nvSpPr>
           <p:spPr>
             <a:xfrm>
-              <a:off x="3448662" y="5774111"/>
-              <a:ext cx="731971" cy="130141"/>
+              <a:off x="3448662" y="5374909"/>
+              <a:ext cx="731971" cy="117974"/>
             </a:xfrm>
             <a:prstGeom prst="rect">
               <a:avLst/>
@@ -5205,8 +5483,8 @@
           </p:nvSpPr>
           <p:spPr>
             <a:xfrm>
-              <a:off x="4261965" y="5452083"/>
-              <a:ext cx="731971" cy="172042"/>
+              <a:off x="4261965" y="5082988"/>
+              <a:ext cx="731971" cy="155957"/>
             </a:xfrm>
             <a:prstGeom prst="rect">
               <a:avLst/>
@@ -5240,8 +5518,8 @@
           </p:nvSpPr>
           <p:spPr>
             <a:xfrm>
-              <a:off x="5075267" y="4998937"/>
-              <a:ext cx="731971" cy="225961"/>
+              <a:off x="5075267" y="4672207"/>
+              <a:ext cx="731971" cy="204835"/>
             </a:xfrm>
             <a:prstGeom prst="rect">
               <a:avLst/>
@@ -5275,8 +5553,8 @@
           </p:nvSpPr>
           <p:spPr>
             <a:xfrm>
-              <a:off x="5888569" y="4637629"/>
-              <a:ext cx="731971" cy="200315"/>
+              <a:off x="5888569" y="4344679"/>
+              <a:ext cx="731971" cy="181587"/>
             </a:xfrm>
             <a:prstGeom prst="rect">
               <a:avLst/>
@@ -5310,8 +5588,8 @@
           </p:nvSpPr>
           <p:spPr>
             <a:xfrm>
-              <a:off x="6701871" y="4214092"/>
-              <a:ext cx="731971" cy="227433"/>
+              <a:off x="6701871" y="3960739"/>
+              <a:ext cx="731971" cy="206170"/>
             </a:xfrm>
             <a:prstGeom prst="rect">
               <a:avLst/>
@@ -5345,8 +5623,8 @@
           </p:nvSpPr>
           <p:spPr>
             <a:xfrm>
-              <a:off x="7515174" y="3642903"/>
-              <a:ext cx="731971" cy="249988"/>
+              <a:off x="7515174" y="3442952"/>
+              <a:ext cx="731971" cy="226616"/>
             </a:xfrm>
             <a:prstGeom prst="rect">
               <a:avLst/>
@@ -5380,8 +5658,8 @@
           </p:nvSpPr>
           <p:spPr>
             <a:xfrm>
-              <a:off x="8328476" y="2937028"/>
-              <a:ext cx="731971" cy="279096"/>
+              <a:off x="8328476" y="2803071"/>
+              <a:ext cx="731971" cy="253003"/>
             </a:xfrm>
             <a:prstGeom prst="rect">
               <a:avLst/>
@@ -5415,8 +5693,8 @@
           </p:nvSpPr>
           <p:spPr>
             <a:xfrm>
-              <a:off x="9141778" y="1574451"/>
-              <a:ext cx="731971" cy="572587"/>
+              <a:off x="9141778" y="1567884"/>
+              <a:ext cx="731971" cy="519054"/>
             </a:xfrm>
             <a:prstGeom prst="rect">
               <a:avLst/>
@@ -5450,7 +5728,7 @@
           </p:nvSpPr>
           <p:spPr>
             <a:xfrm>
-              <a:off x="9914415" y="4482610"/>
+              <a:off x="9914415" y="4181486"/>
               <a:ext cx="1333648" cy="214535"/>
             </a:xfrm>
             <a:prstGeom prst="rect">
@@ -5496,7 +5774,7 @@
           </p:nvSpPr>
           <p:spPr>
             <a:xfrm>
-              <a:off x="9914415" y="4750286"/>
+              <a:off x="9914415" y="4449163"/>
               <a:ext cx="1460338" cy="166315"/>
             </a:xfrm>
             <a:prstGeom prst="rect">
@@ -5542,7 +5820,7 @@
           </p:nvSpPr>
           <p:spPr>
             <a:xfrm>
-              <a:off x="9914415" y="2208273"/>
+              <a:off x="9914415" y="2099265"/>
               <a:ext cx="762483" cy="214535"/>
             </a:xfrm>
             <a:prstGeom prst="rect">
@@ -5588,7 +5866,7 @@
           </p:nvSpPr>
           <p:spPr>
             <a:xfrm>
-              <a:off x="9914415" y="2473159"/>
+              <a:off x="9914415" y="2364151"/>
               <a:ext cx="1067432" cy="169105"/>
             </a:xfrm>
             <a:prstGeom prst="rect">
@@ -5634,7 +5912,7 @@
           </p:nvSpPr>
           <p:spPr>
             <a:xfrm>
-              <a:off x="9914415" y="2649976"/>
+              <a:off x="9914415" y="2540968"/>
               <a:ext cx="1028923" cy="211745"/>
             </a:xfrm>
             <a:prstGeom prst="rect">
@@ -5680,7 +5958,7 @@
           </p:nvSpPr>
           <p:spPr>
             <a:xfrm>
-              <a:off x="9914415" y="2914862"/>
+              <a:off x="9914415" y="2805854"/>
               <a:ext cx="1460338" cy="166315"/>
             </a:xfrm>
             <a:prstGeom prst="rect">
@@ -5726,7 +6004,7 @@
           </p:nvSpPr>
           <p:spPr>
             <a:xfrm>
-              <a:off x="9914415" y="1556791"/>
+              <a:off x="9914415" y="1523459"/>
               <a:ext cx="965634" cy="166315"/>
             </a:xfrm>
             <a:prstGeom prst="rect">
@@ -5772,7 +6050,7 @@
           </p:nvSpPr>
           <p:spPr>
             <a:xfrm>
-              <a:off x="9914415" y="1730817"/>
+              <a:off x="9914415" y="1697485"/>
               <a:ext cx="1028923" cy="211745"/>
             </a:xfrm>
             <a:prstGeom prst="rect">
@@ -5818,7 +6096,7 @@
           </p:nvSpPr>
           <p:spPr>
             <a:xfrm>
-              <a:off x="9914415" y="1995703"/>
+              <a:off x="9914415" y="1962371"/>
               <a:ext cx="1460338" cy="166315"/>
             </a:xfrm>
             <a:prstGeom prst="rect">
@@ -5864,7 +6142,7 @@
           </p:nvSpPr>
           <p:spPr>
             <a:xfrm>
-              <a:off x="1424634" y="6136360"/>
+              <a:off x="1424634" y="5692030"/>
               <a:ext cx="254272" cy="202257"/>
             </a:xfrm>
             <a:prstGeom prst="rect">
@@ -5910,7 +6188,7 @@
           </p:nvSpPr>
           <p:spPr>
             <a:xfrm>
-              <a:off x="979713" y="4791390"/>
+              <a:off x="979713" y="4471980"/>
               <a:ext cx="699194" cy="211075"/>
             </a:xfrm>
             <a:prstGeom prst="rect">
@@ -5956,7 +6234,7 @@
           </p:nvSpPr>
           <p:spPr>
             <a:xfrm>
-              <a:off x="852576" y="3455238"/>
+              <a:off x="852576" y="3260748"/>
               <a:ext cx="826330" cy="211075"/>
             </a:xfrm>
             <a:prstGeom prst="rect">
@@ -6002,7 +6280,7 @@
           </p:nvSpPr>
           <p:spPr>
             <a:xfrm>
-              <a:off x="852576" y="2119086"/>
+              <a:off x="852576" y="2049516"/>
               <a:ext cx="826330" cy="211075"/>
             </a:xfrm>
             <a:prstGeom prst="rect">
@@ -6048,7 +6326,7 @@
           </p:nvSpPr>
           <p:spPr>
             <a:xfrm>
-              <a:off x="1781393" y="6256799"/>
+              <a:off x="1781393" y="5812469"/>
               <a:ext cx="9759626" cy="0"/>
             </a:xfrm>
             <a:custGeom>
@@ -6088,7 +6366,7 @@
           </p:nvSpPr>
           <p:spPr>
             <a:xfrm>
-              <a:off x="2188044" y="6256799"/>
+              <a:off x="2188044" y="5812469"/>
               <a:ext cx="0" cy="56936"/>
             </a:xfrm>
             <a:custGeom>
@@ -6128,7 +6406,7 @@
           </p:nvSpPr>
           <p:spPr>
             <a:xfrm>
-              <a:off x="3001346" y="6256799"/>
+              <a:off x="3001346" y="5812469"/>
               <a:ext cx="0" cy="56936"/>
             </a:xfrm>
             <a:custGeom>
@@ -6168,7 +6446,7 @@
           </p:nvSpPr>
           <p:spPr>
             <a:xfrm>
-              <a:off x="3814648" y="6256799"/>
+              <a:off x="3814648" y="5812469"/>
               <a:ext cx="0" cy="56936"/>
             </a:xfrm>
             <a:custGeom>
@@ -6208,7 +6486,7 @@
           </p:nvSpPr>
           <p:spPr>
             <a:xfrm>
-              <a:off x="4627951" y="6256799"/>
+              <a:off x="4627951" y="5812469"/>
               <a:ext cx="0" cy="56936"/>
             </a:xfrm>
             <a:custGeom>
@@ -6248,7 +6526,7 @@
           </p:nvSpPr>
           <p:spPr>
             <a:xfrm>
-              <a:off x="5441253" y="6256799"/>
+              <a:off x="5441253" y="5812469"/>
               <a:ext cx="0" cy="56936"/>
             </a:xfrm>
             <a:custGeom>
@@ -6288,7 +6566,7 @@
           </p:nvSpPr>
           <p:spPr>
             <a:xfrm>
-              <a:off x="6254555" y="6256799"/>
+              <a:off x="6254555" y="5812469"/>
               <a:ext cx="0" cy="56936"/>
             </a:xfrm>
             <a:custGeom>
@@ -6328,7 +6606,7 @@
           </p:nvSpPr>
           <p:spPr>
             <a:xfrm>
-              <a:off x="7067857" y="6256799"/>
+              <a:off x="7067857" y="5812469"/>
               <a:ext cx="0" cy="56936"/>
             </a:xfrm>
             <a:custGeom>
@@ -6368,7 +6646,7 @@
           </p:nvSpPr>
           <p:spPr>
             <a:xfrm>
-              <a:off x="7881160" y="6256799"/>
+              <a:off x="7881160" y="5812469"/>
               <a:ext cx="0" cy="56936"/>
             </a:xfrm>
             <a:custGeom>
@@ -6408,7 +6686,7 @@
           </p:nvSpPr>
           <p:spPr>
             <a:xfrm>
-              <a:off x="8694462" y="6256799"/>
+              <a:off x="8694462" y="5812469"/>
               <a:ext cx="0" cy="56936"/>
             </a:xfrm>
             <a:custGeom>
@@ -6448,7 +6726,7 @@
           </p:nvSpPr>
           <p:spPr>
             <a:xfrm>
-              <a:off x="9507764" y="6256799"/>
+              <a:off x="9507764" y="5812469"/>
               <a:ext cx="0" cy="56936"/>
             </a:xfrm>
             <a:custGeom>
@@ -6488,7 +6766,7 @@
           </p:nvSpPr>
           <p:spPr>
             <a:xfrm>
-              <a:off x="2124476" y="6358615"/>
+              <a:off x="2124476" y="5914285"/>
               <a:ext cx="127136" cy="164306"/>
             </a:xfrm>
             <a:prstGeom prst="rect">
@@ -6534,7 +6812,7 @@
           </p:nvSpPr>
           <p:spPr>
             <a:xfrm>
-              <a:off x="2937778" y="6358615"/>
+              <a:off x="2937778" y="5914285"/>
               <a:ext cx="127136" cy="164306"/>
             </a:xfrm>
             <a:prstGeom prst="rect">
@@ -6580,7 +6858,7 @@
           </p:nvSpPr>
           <p:spPr>
             <a:xfrm>
-              <a:off x="3751080" y="6355713"/>
+              <a:off x="3751080" y="5911383"/>
               <a:ext cx="127136" cy="167208"/>
             </a:xfrm>
             <a:prstGeom prst="rect">
@@ -6626,7 +6904,7 @@
           </p:nvSpPr>
           <p:spPr>
             <a:xfrm>
-              <a:off x="4564382" y="6359285"/>
+              <a:off x="4564382" y="5914955"/>
               <a:ext cx="127136" cy="163636"/>
             </a:xfrm>
             <a:prstGeom prst="rect">
@@ -6672,7 +6950,7 @@
           </p:nvSpPr>
           <p:spPr>
             <a:xfrm>
-              <a:off x="5377685" y="6358726"/>
+              <a:off x="5377685" y="5914397"/>
               <a:ext cx="127136" cy="164194"/>
             </a:xfrm>
             <a:prstGeom prst="rect">
@@ -6718,7 +6996,7 @@
           </p:nvSpPr>
           <p:spPr>
             <a:xfrm>
-              <a:off x="6190987" y="6355824"/>
+              <a:off x="6190987" y="5911495"/>
               <a:ext cx="127136" cy="167096"/>
             </a:xfrm>
             <a:prstGeom prst="rect">
@@ -6764,7 +7042,7 @@
           </p:nvSpPr>
           <p:spPr>
             <a:xfrm>
-              <a:off x="7004289" y="6361405"/>
+              <a:off x="7004289" y="5917076"/>
               <a:ext cx="127136" cy="161515"/>
             </a:xfrm>
             <a:prstGeom prst="rect">
@@ -6810,7 +7088,7 @@
           </p:nvSpPr>
           <p:spPr>
             <a:xfrm>
-              <a:off x="7817591" y="6355824"/>
+              <a:off x="7817591" y="5911495"/>
               <a:ext cx="127136" cy="167096"/>
             </a:xfrm>
             <a:prstGeom prst="rect">
@@ -6856,7 +7134,7 @@
           </p:nvSpPr>
           <p:spPr>
             <a:xfrm>
-              <a:off x="8630894" y="6355824"/>
+              <a:off x="8630894" y="5911495"/>
               <a:ext cx="127136" cy="167096"/>
             </a:xfrm>
             <a:prstGeom prst="rect">
@@ -6902,7 +7180,7 @@
           </p:nvSpPr>
           <p:spPr>
             <a:xfrm>
-              <a:off x="9380628" y="6355824"/>
+              <a:off x="9380628" y="5911495"/>
               <a:ext cx="254272" cy="167096"/>
             </a:xfrm>
             <a:prstGeom prst="rect">
@@ -6948,7 +7226,7 @@
           </p:nvSpPr>
           <p:spPr>
             <a:xfrm>
-              <a:off x="5523955" y="6625287"/>
+              <a:off x="5523955" y="6180958"/>
               <a:ext cx="2274503" cy="166315"/>
             </a:xfrm>
             <a:prstGeom prst="rect">
@@ -6982,6 +7260,98 @@
                   <a:cs typeface="Arial"/>
                 </a:rPr>
                 <a:t>Taxable income decile</a:t>
+              </a:r>
+            </a:p>
+          </p:txBody>
+        </p:sp>
+        <p:sp>
+          <p:nvSpPr>
+            <p:cNvPr id="77" name="tx75"/>
+            <p:cNvSpPr/>
+            <p:nvPr/>
+          </p:nvSpPr>
+          <p:spPr>
+            <a:xfrm>
+              <a:off x="852576" y="6556921"/>
+              <a:ext cx="9841702" cy="119067"/>
+            </a:xfrm>
+            <a:prstGeom prst="rect">
+              <a:avLst/>
+            </a:prstGeom>
+            <a:noFill/>
+          </p:spPr>
+          <p:txBody>
+            <a:bodyPr lIns="0" rIns="0" tIns="0" bIns="0" anchorCtr="1" anchor="ctr" wrap="none"/>
+            <a:lstStyle/>
+            <a:p>
+              <a:pPr algn="l" marL="0" marR="0" indent="0">
+                <a:lnSpc>
+                  <a:spcPts val="999"/>
+                </a:lnSpc>
+                <a:spcBef>
+                  <a:spcPts val="0"/>
+                </a:spcBef>
+                <a:spcAft>
+                  <a:spcPts val="0"/>
+                </a:spcAft>
+              </a:pPr>
+              <a:r>
+                <a:rPr sz="999" i="1">
+                  <a:solidFill>
+                    <a:srgbClr val="000000">
+                      <a:alpha val="100000"/>
+                    </a:srgbClr>
+                  </a:solidFill>
+                  <a:latin typeface="Arial"/>
+                  <a:cs typeface="Arial"/>
+                </a:rPr>
+                <a:t>Notes: Projections to 2020-21 assume 2% wage growth and 0% growth in the number of taxfilers from 2019-20 to 2020-21. Taxable income deciles based on 50+ taxfilers only.</a:t>
+              </a:r>
+            </a:p>
+          </p:txBody>
+        </p:sp>
+        <p:sp>
+          <p:nvSpPr>
+            <p:cNvPr id="78" name="tx76"/>
+            <p:cNvSpPr/>
+            <p:nvPr/>
+          </p:nvSpPr>
+          <p:spPr>
+            <a:xfrm>
+              <a:off x="852576" y="6695431"/>
+              <a:ext cx="2094457" cy="117580"/>
+            </a:xfrm>
+            <a:prstGeom prst="rect">
+              <a:avLst/>
+            </a:prstGeom>
+            <a:noFill/>
+          </p:spPr>
+          <p:txBody>
+            <a:bodyPr lIns="0" rIns="0" tIns="0" bIns="0" anchorCtr="1" anchor="ctr" wrap="none"/>
+            <a:lstStyle/>
+            <a:p>
+              <a:pPr algn="l" marL="0" marR="0" indent="0">
+                <a:lnSpc>
+                  <a:spcPts val="999"/>
+                </a:lnSpc>
+                <a:spcBef>
+                  <a:spcPts val="0"/>
+                </a:spcBef>
+                <a:spcAft>
+                  <a:spcPts val="0"/>
+                </a:spcAft>
+              </a:pPr>
+              <a:r>
+                <a:rPr sz="999" i="1">
+                  <a:solidFill>
+                    <a:srgbClr val="000000">
+                      <a:alpha val="100000"/>
+                    </a:srgbClr>
+                  </a:solidFill>
+                  <a:latin typeface="Arial"/>
+                  <a:cs typeface="Arial"/>
+                </a:rPr>
+                <a:t>Source: ATO 2017-18 2% sample file</a:t>
               </a:r>
             </a:p>
           </p:txBody>
